--- a/04-frameworks/09-microfrontends/00-teoría/00-introducción-a-microfrontends.pptx
+++ b/04-frameworks/09-microfrontends/00-teoría/00-introducción-a-microfrontends.pptx
@@ -273,7 +273,7 @@
           <a:p>
             <a:fld id="{FF2B6EE4-302D-42F1-9E0F-295CEEA59884}" type="datetimeFigureOut">
               <a:rPr lang="es-ES" smtClean="0"/>
-              <a:t>20/07/2022</a:t>
+              <a:t>22/01/2023</a:t>
             </a:fld>
             <a:endParaRPr lang="es-ES" dirty="0"/>
           </a:p>
@@ -773,7 +773,7 @@
           <a:p>
             <a:fld id="{A4B8BC99-9ACD-BE4F-B10C-4208E66E3B9D}" type="datetimeFigureOut">
               <a:rPr lang="en-US" smtClean="0"/>
-              <a:t>7/20/2022</a:t>
+              <a:t>1/22/2023</a:t>
             </a:fld>
             <a:endParaRPr lang="en-US" dirty="0"/>
           </a:p>
@@ -977,7 +977,7 @@
           <a:p>
             <a:fld id="{A4B8BC99-9ACD-BE4F-B10C-4208E66E3B9D}" type="datetimeFigureOut">
               <a:rPr lang="en-US" smtClean="0"/>
-              <a:t>7/20/2022</a:t>
+              <a:t>1/22/2023</a:t>
             </a:fld>
             <a:endParaRPr lang="en-US" dirty="0"/>
           </a:p>
@@ -1171,7 +1171,7 @@
           <a:p>
             <a:fld id="{A4B8BC99-9ACD-BE4F-B10C-4208E66E3B9D}" type="datetimeFigureOut">
               <a:rPr lang="en-US" smtClean="0"/>
-              <a:t>7/20/2022</a:t>
+              <a:t>1/22/2023</a:t>
             </a:fld>
             <a:endParaRPr lang="en-US" dirty="0"/>
           </a:p>
@@ -1441,7 +1441,7 @@
           <a:p>
             <a:fld id="{A4B8BC99-9ACD-BE4F-B10C-4208E66E3B9D}" type="datetimeFigureOut">
               <a:rPr lang="en-US" smtClean="0"/>
-              <a:t>7/20/2022</a:t>
+              <a:t>1/22/2023</a:t>
             </a:fld>
             <a:endParaRPr lang="en-US" dirty="0"/>
           </a:p>
@@ -1753,7 +1753,7 @@
           <a:p>
             <a:fld id="{A4B8BC99-9ACD-BE4F-B10C-4208E66E3B9D}" type="datetimeFigureOut">
               <a:rPr lang="en-US" smtClean="0"/>
-              <a:t>7/20/2022</a:t>
+              <a:t>1/22/2023</a:t>
             </a:fld>
             <a:endParaRPr lang="en-US" dirty="0"/>
           </a:p>
@@ -2199,7 +2199,7 @@
           <a:p>
             <a:fld id="{A4B8BC99-9ACD-BE4F-B10C-4208E66E3B9D}" type="datetimeFigureOut">
               <a:rPr lang="en-US" smtClean="0"/>
-              <a:t>7/20/2022</a:t>
+              <a:t>1/22/2023</a:t>
             </a:fld>
             <a:endParaRPr lang="en-US" dirty="0"/>
           </a:p>
@@ -2341,7 +2341,7 @@
           <a:p>
             <a:fld id="{A4B8BC99-9ACD-BE4F-B10C-4208E66E3B9D}" type="datetimeFigureOut">
               <a:rPr lang="en-US" smtClean="0"/>
-              <a:t>7/20/2022</a:t>
+              <a:t>1/22/2023</a:t>
             </a:fld>
             <a:endParaRPr lang="en-US" dirty="0"/>
           </a:p>
@@ -2460,7 +2460,7 @@
           <a:p>
             <a:fld id="{A4B8BC99-9ACD-BE4F-B10C-4208E66E3B9D}" type="datetimeFigureOut">
               <a:rPr lang="en-US" smtClean="0"/>
-              <a:t>7/20/2022</a:t>
+              <a:t>1/22/2023</a:t>
             </a:fld>
             <a:endParaRPr lang="en-US" dirty="0"/>
           </a:p>
@@ -2761,7 +2761,7 @@
           <a:p>
             <a:fld id="{A4B8BC99-9ACD-BE4F-B10C-4208E66E3B9D}" type="datetimeFigureOut">
               <a:rPr lang="en-US" smtClean="0"/>
-              <a:t>7/20/2022</a:t>
+              <a:t>1/22/2023</a:t>
             </a:fld>
             <a:endParaRPr lang="en-US" dirty="0"/>
           </a:p>
@@ -3038,7 +3038,7 @@
           <a:p>
             <a:fld id="{A4B8BC99-9ACD-BE4F-B10C-4208E66E3B9D}" type="datetimeFigureOut">
               <a:rPr lang="en-US" smtClean="0"/>
-              <a:t>7/20/2022</a:t>
+              <a:t>1/22/2023</a:t>
             </a:fld>
             <a:endParaRPr lang="en-US" dirty="0"/>
           </a:p>
@@ -24043,7 +24043,7 @@
         </p:nvSpPr>
         <p:spPr>
           <a:xfrm>
-            <a:off x="2146866" y="4439502"/>
+            <a:off x="2146866" y="4364475"/>
             <a:ext cx="1374735" cy="276999"/>
           </a:xfrm>
           <a:prstGeom prst="rect">
@@ -24089,6 +24089,75 @@
               <a:t> Radar</a:t>
             </a:r>
             <a:endParaRPr lang="es-ES" sz="1200" dirty="0"/>
+          </a:p>
+        </p:txBody>
+      </p:sp>
+      <p:sp>
+        <p:nvSpPr>
+          <p:cNvPr id="9" name="CuadroTexto 8">
+            <a:extLst>
+              <a:ext uri="{FF2B5EF4-FFF2-40B4-BE49-F238E27FC236}">
+                <a16:creationId xmlns:a16="http://schemas.microsoft.com/office/drawing/2014/main" id="{B39F208D-C469-5E79-E5D4-E92C2AB22DD6}"/>
+              </a:ext>
+            </a:extLst>
+          </p:cNvPr>
+          <p:cNvSpPr txBox="1"/>
+          <p:nvPr/>
+        </p:nvSpPr>
+        <p:spPr>
+          <a:xfrm>
+            <a:off x="2146866" y="4637930"/>
+            <a:ext cx="1374735" cy="276999"/>
+          </a:xfrm>
+          <a:prstGeom prst="rect">
+            <a:avLst/>
+          </a:prstGeom>
+          <a:noFill/>
+        </p:spPr>
+        <p:txBody>
+          <a:bodyPr wrap="none" lIns="108000" rIns="108000" rtlCol="0" anchor="ctr" anchorCtr="0">
+            <a:noAutofit/>
+          </a:bodyPr>
+          <a:lstStyle>
+            <a:defPPr>
+              <a:defRPr lang="en-US"/>
+            </a:defPPr>
+            <a:lvl1pPr marL="285750" indent="-285750">
+              <a:buFontTx/>
+              <a:buChar char="-"/>
+              <a:defRPr>
+                <a:solidFill>
+                  <a:srgbClr val="242415"/>
+                </a:solidFill>
+                <a:latin typeface="Open Sans" panose="020B0606030504020204" pitchFamily="34" charset="0"/>
+                <a:ea typeface="Open Sans" panose="020B0606030504020204" pitchFamily="34" charset="0"/>
+                <a:cs typeface="Open Sans" panose="020B0606030504020204" pitchFamily="34" charset="0"/>
+              </a:defRPr>
+            </a:lvl1pPr>
+          </a:lstStyle>
+          <a:p>
+            <a:pPr marL="0" indent="0" algn="ctr">
+              <a:buNone/>
+            </a:pPr>
+            <a:r>
+              <a:rPr lang="es-ES" sz="900" dirty="0">
+                <a:hlinkClick r:id="rId4"/>
+              </a:rPr>
+              <a:t>(Microfrontends </a:t>
+            </a:r>
+            <a:r>
+              <a:rPr lang="es-ES" sz="900" dirty="0" err="1">
+                <a:hlinkClick r:id="rId4"/>
+              </a:rPr>
+              <a:t>path</a:t>
+            </a:r>
+            <a:r>
+              <a:rPr lang="es-ES" sz="900" dirty="0">
+                <a:hlinkClick r:id="rId4"/>
+              </a:rPr>
+              <a:t>)</a:t>
+            </a:r>
+            <a:endParaRPr lang="es-ES" sz="900" dirty="0"/>
           </a:p>
         </p:txBody>
       </p:sp>
@@ -24212,10 +24281,10 @@
       </p:sp>
       <p:sp>
         <p:nvSpPr>
-          <p:cNvPr id="6" name="TextBox 3">
+          <p:cNvPr id="35" name="TextBox 3">
             <a:extLst>
               <a:ext uri="{FF2B5EF4-FFF2-40B4-BE49-F238E27FC236}">
-                <a16:creationId xmlns:a16="http://schemas.microsoft.com/office/drawing/2014/main" id="{1F5B1ABC-B32D-474E-B2B9-49B21C75E58B}"/>
+                <a16:creationId xmlns:a16="http://schemas.microsoft.com/office/drawing/2014/main" id="{AAF2EF99-2E91-48E1-9363-FD1936373876}"/>
               </a:ext>
             </a:extLst>
           </p:cNvPr>
@@ -24224,8 +24293,8 @@
         </p:nvSpPr>
         <p:spPr>
           <a:xfrm>
-            <a:off x="647699" y="923552"/>
-            <a:ext cx="8245476" cy="369332"/>
+            <a:off x="647699" y="1603753"/>
+            <a:ext cx="8245476" cy="646331"/>
           </a:xfrm>
           <a:prstGeom prst="rect">
             <a:avLst/>
@@ -24251,10 +24320,10 @@
                 <a:ea typeface="Open Sans" panose="020B0606030504020204" pitchFamily="34" charset="0"/>
                 <a:cs typeface="Open Sans" panose="020B0606030504020204" pitchFamily="34" charset="0"/>
               </a:rPr>
-              <a:t>Hasta la fecha (</a:t>
-            </a:r>
-            <a:r>
-              <a:rPr lang="es-ES" dirty="0" err="1">
+              <a:t>Se siguen explorando diferentes aproximaciones, aunque ciertas tecnologías empiezan a tomar peso (2023): </a:t>
+            </a:r>
+            <a:r>
+              <a:rPr lang="es-ES" b="1" dirty="0">
                 <a:solidFill>
                   <a:srgbClr val="242415"/>
                 </a:solidFill>
@@ -24262,7 +24331,18 @@
                 <a:ea typeface="Open Sans" panose="020B0606030504020204" pitchFamily="34" charset="0"/>
                 <a:cs typeface="Open Sans" panose="020B0606030504020204" pitchFamily="34" charset="0"/>
               </a:rPr>
-              <a:t>mid</a:t>
+              <a:t>module </a:t>
+            </a:r>
+            <a:r>
+              <a:rPr lang="es-ES" b="1" dirty="0" err="1">
+                <a:solidFill>
+                  <a:srgbClr val="242415"/>
+                </a:solidFill>
+                <a:latin typeface="Open Sans" panose="020B0606030504020204" pitchFamily="34" charset="0"/>
+                <a:ea typeface="Open Sans" panose="020B0606030504020204" pitchFamily="34" charset="0"/>
+                <a:cs typeface="Open Sans" panose="020B0606030504020204" pitchFamily="34" charset="0"/>
+              </a:rPr>
+              <a:t>federation</a:t>
             </a:r>
             <a:r>
               <a:rPr lang="es-ES" dirty="0">
@@ -24273,53 +24353,7 @@
                 <a:ea typeface="Open Sans" panose="020B0606030504020204" pitchFamily="34" charset="0"/>
                 <a:cs typeface="Open Sans" panose="020B0606030504020204" pitchFamily="34" charset="0"/>
               </a:rPr>
-              <a:t> de 2021)</a:t>
-            </a:r>
-          </a:p>
-        </p:txBody>
-      </p:sp>
-      <p:sp>
-        <p:nvSpPr>
-          <p:cNvPr id="35" name="TextBox 3">
-            <a:extLst>
-              <a:ext uri="{FF2B5EF4-FFF2-40B4-BE49-F238E27FC236}">
-                <a16:creationId xmlns:a16="http://schemas.microsoft.com/office/drawing/2014/main" id="{AAF2EF99-2E91-48E1-9363-FD1936373876}"/>
-              </a:ext>
-            </a:extLst>
-          </p:cNvPr>
-          <p:cNvSpPr txBox="1"/>
-          <p:nvPr/>
-        </p:nvSpPr>
-        <p:spPr>
-          <a:xfrm>
-            <a:off x="647699" y="1891260"/>
-            <a:ext cx="8245476" cy="369332"/>
-          </a:xfrm>
-          <a:prstGeom prst="rect">
-            <a:avLst/>
-          </a:prstGeom>
-          <a:noFill/>
-        </p:spPr>
-        <p:txBody>
-          <a:bodyPr wrap="square" lIns="0" rtlCol="0">
-            <a:spAutoFit/>
-          </a:bodyPr>
-          <a:lstStyle/>
-          <a:p>
-            <a:pPr marL="285750" indent="-285750">
-              <a:buFontTx/>
-              <a:buChar char="-"/>
-            </a:pPr>
-            <a:r>
-              <a:rPr lang="es-ES" dirty="0">
-                <a:solidFill>
-                  <a:srgbClr val="242415"/>
-                </a:solidFill>
-                <a:latin typeface="Open Sans" panose="020B0606030504020204" pitchFamily="34" charset="0"/>
-                <a:ea typeface="Open Sans" panose="020B0606030504020204" pitchFamily="34" charset="0"/>
-                <a:cs typeface="Open Sans" panose="020B0606030504020204" pitchFamily="34" charset="0"/>
-              </a:rPr>
-              <a:t>Se siguen explorando diferentes aproximaciones.</a:t>
+              <a:t>.</a:t>
             </a:r>
           </a:p>
         </p:txBody>
@@ -24428,10 +24462,10 @@
         </p:nvGrpSpPr>
         <p:grpSpPr>
           <a:xfrm>
-            <a:off x="1647733" y="1407406"/>
-            <a:ext cx="6245408" cy="369332"/>
+            <a:off x="1647733" y="982048"/>
+            <a:ext cx="5151653" cy="369332"/>
             <a:chOff x="1193054" y="1820000"/>
-            <a:chExt cx="6245408" cy="369332"/>
+            <a:chExt cx="5151653" cy="369332"/>
           </a:xfrm>
         </p:grpSpPr>
         <p:sp>
@@ -24448,8 +24482,8 @@
           </p:nvSpPr>
           <p:spPr>
             <a:xfrm>
-              <a:off x="1305272" y="1820000"/>
-              <a:ext cx="6133190" cy="369332"/>
+              <a:off x="1305273" y="1820000"/>
+              <a:ext cx="5039434" cy="369332"/>
             </a:xfrm>
             <a:prstGeom prst="rect">
               <a:avLst/>
@@ -24461,12 +24495,11 @@
             </a:solidFill>
           </p:spPr>
           <p:txBody>
-            <a:bodyPr wrap="none" lIns="108000" rIns="108000" rtlCol="0" anchor="ctr">
+            <a:bodyPr wrap="square" lIns="108000" rIns="108000" rtlCol="0" anchor="ctr">
               <a:spAutoFit/>
             </a:bodyPr>
             <a:lstStyle/>
             <a:p>
-              <a:pPr algn="ctr"/>
               <a:r>
                 <a:rPr lang="es-ES" dirty="0">
                   <a:solidFill>
@@ -24479,7 +24512,7 @@
                   <a:ea typeface="Open Sans" panose="020B0606030504020204" pitchFamily="34" charset="0"/>
                   <a:cs typeface="Open Sans" panose="020B0606030504020204" pitchFamily="34" charset="0"/>
                 </a:rPr>
-                <a:t>No hay bala de plata, no hay caballo ganador … todavía</a:t>
+                <a:t>No hay bala de plata, no hay caballo ganador</a:t>
               </a:r>
             </a:p>
           </p:txBody>
@@ -24577,7 +24610,7 @@
                 <a:ea typeface="Open Sans" panose="020B0606030504020204" pitchFamily="34" charset="0"/>
                 <a:cs typeface="Open Sans" panose="020B0606030504020204" pitchFamily="34" charset="0"/>
               </a:rPr>
-              <a:t>No podemos asegurar si en el futuro:</a:t>
+              <a:t>Es difícil asegurar si en el futuro:</a:t>
             </a:r>
           </a:p>
         </p:txBody>
@@ -24597,7 +24630,7 @@
         <p:spPr>
           <a:xfrm>
             <a:off x="1238203" y="3621811"/>
-            <a:ext cx="6190207" cy="276999"/>
+            <a:ext cx="7607261" cy="276999"/>
           </a:xfrm>
           <a:prstGeom prst="rect">
             <a:avLst/>
@@ -24752,6 +24785,35 @@
                 <a:hlinkClick r:id="rId2"/>
               </a:rPr>
               <a:t>single-spa</a:t>
+            </a:r>
+            <a:r>
+              <a:rPr lang="en-GB" sz="1200" dirty="0">
+                <a:solidFill>
+                  <a:schemeClr val="tx1">
+                    <a:lumMod val="75000"/>
+                    <a:lumOff val="25000"/>
+                  </a:schemeClr>
+                </a:solidFill>
+                <a:latin typeface="Open Sans" panose="020B0606030504020204" pitchFamily="34" charset="0"/>
+                <a:ea typeface="Open Sans" panose="020B0606030504020204" pitchFamily="34" charset="0"/>
+                <a:cs typeface="Open Sans" panose="020B0606030504020204" pitchFamily="34" charset="0"/>
+              </a:rPr>
+              <a:t>, </a:t>
+            </a:r>
+            <a:r>
+              <a:rPr lang="en-GB" sz="1200" dirty="0">
+                <a:solidFill>
+                  <a:schemeClr val="tx1">
+                    <a:lumMod val="75000"/>
+                    <a:lumOff val="25000"/>
+                  </a:schemeClr>
+                </a:solidFill>
+                <a:latin typeface="Open Sans" panose="020B0606030504020204" pitchFamily="34" charset="0"/>
+                <a:ea typeface="Open Sans" panose="020B0606030504020204" pitchFamily="34" charset="0"/>
+                <a:cs typeface="Open Sans" panose="020B0606030504020204" pitchFamily="34" charset="0"/>
+                <a:hlinkClick r:id="rId3"/>
+              </a:rPr>
+              <a:t>module federation</a:t>
             </a:r>
             <a:r>
               <a:rPr lang="en-GB" sz="1200" dirty="0">
@@ -24899,7 +24961,7 @@
               <a:t> o de facto para </a:t>
             </a:r>
             <a:r>
-              <a:rPr lang="en-GB" sz="1200" u="sng" dirty="0" err="1">
+              <a:rPr lang="en-GB" sz="1200" dirty="0" err="1">
                 <a:solidFill>
                   <a:schemeClr val="tx1">
                     <a:lumMod val="75000"/>
@@ -25021,7 +25083,7 @@
                 <a:latin typeface="Open Sans" panose="020B0606030504020204" pitchFamily="34" charset="0"/>
                 <a:ea typeface="Open Sans" panose="020B0606030504020204" pitchFamily="34" charset="0"/>
                 <a:cs typeface="Open Sans" panose="020B0606030504020204" pitchFamily="34" charset="0"/>
-                <a:hlinkClick r:id="rId3"/>
+                <a:hlinkClick r:id="rId4"/>
               </a:rPr>
               <a:t>import maps</a:t>
             </a:r>
@@ -25314,10 +25376,10 @@
           <p:nvPr/>
         </p:nvPicPr>
         <p:blipFill>
-          <a:blip r:embed="rId4">
+          <a:blip r:embed="rId5">
             <a:extLst>
               <a:ext uri="{96DAC541-7B7A-43D3-8B79-37D633B846F1}">
-                <asvg:svgBlip xmlns:asvg="http://schemas.microsoft.com/office/drawing/2016/SVG/main" r:embed="rId5"/>
+                <asvg:svgBlip xmlns:asvg="http://schemas.microsoft.com/office/drawing/2016/SVG/main" r:embed="rId6"/>
               </a:ext>
             </a:extLst>
           </a:blip>
@@ -25350,10 +25412,10 @@
           <p:nvPr/>
         </p:nvPicPr>
         <p:blipFill>
-          <a:blip r:embed="rId4">
+          <a:blip r:embed="rId5">
             <a:extLst>
               <a:ext uri="{96DAC541-7B7A-43D3-8B79-37D633B846F1}">
-                <asvg:svgBlip xmlns:asvg="http://schemas.microsoft.com/office/drawing/2016/SVG/main" r:embed="rId5"/>
+                <asvg:svgBlip xmlns:asvg="http://schemas.microsoft.com/office/drawing/2016/SVG/main" r:embed="rId6"/>
               </a:ext>
             </a:extLst>
           </a:blip>
@@ -25386,10 +25448,10 @@
           <p:nvPr/>
         </p:nvPicPr>
         <p:blipFill>
-          <a:blip r:embed="rId4">
+          <a:blip r:embed="rId5">
             <a:extLst>
               <a:ext uri="{96DAC541-7B7A-43D3-8B79-37D633B846F1}">
-                <asvg:svgBlip xmlns:asvg="http://schemas.microsoft.com/office/drawing/2016/SVG/main" r:embed="rId5"/>
+                <asvg:svgBlip xmlns:asvg="http://schemas.microsoft.com/office/drawing/2016/SVG/main" r:embed="rId6"/>
               </a:ext>
             </a:extLst>
           </a:blip>

--- a/04-frameworks/09-microfrontends/00-teoría/00-introducción-a-microfrontends.pptx
+++ b/04-frameworks/09-microfrontends/00-teoría/00-introducción-a-microfrontends.pptx
@@ -273,7 +273,7 @@
           <a:p>
             <a:fld id="{FF2B6EE4-302D-42F1-9E0F-295CEEA59884}" type="datetimeFigureOut">
               <a:rPr lang="es-ES" smtClean="0"/>
-              <a:t>22/01/2023</a:t>
+              <a:t>19/07/2023</a:t>
             </a:fld>
             <a:endParaRPr lang="es-ES" dirty="0"/>
           </a:p>
@@ -773,7 +773,7 @@
           <a:p>
             <a:fld id="{A4B8BC99-9ACD-BE4F-B10C-4208E66E3B9D}" type="datetimeFigureOut">
               <a:rPr lang="en-US" smtClean="0"/>
-              <a:t>1/22/2023</a:t>
+              <a:t>7/19/2023</a:t>
             </a:fld>
             <a:endParaRPr lang="en-US" dirty="0"/>
           </a:p>
@@ -977,7 +977,7 @@
           <a:p>
             <a:fld id="{A4B8BC99-9ACD-BE4F-B10C-4208E66E3B9D}" type="datetimeFigureOut">
               <a:rPr lang="en-US" smtClean="0"/>
-              <a:t>1/22/2023</a:t>
+              <a:t>7/19/2023</a:t>
             </a:fld>
             <a:endParaRPr lang="en-US" dirty="0"/>
           </a:p>
@@ -1171,7 +1171,7 @@
           <a:p>
             <a:fld id="{A4B8BC99-9ACD-BE4F-B10C-4208E66E3B9D}" type="datetimeFigureOut">
               <a:rPr lang="en-US" smtClean="0"/>
-              <a:t>1/22/2023</a:t>
+              <a:t>7/19/2023</a:t>
             </a:fld>
             <a:endParaRPr lang="en-US" dirty="0"/>
           </a:p>
@@ -1441,7 +1441,7 @@
           <a:p>
             <a:fld id="{A4B8BC99-9ACD-BE4F-B10C-4208E66E3B9D}" type="datetimeFigureOut">
               <a:rPr lang="en-US" smtClean="0"/>
-              <a:t>1/22/2023</a:t>
+              <a:t>7/19/2023</a:t>
             </a:fld>
             <a:endParaRPr lang="en-US" dirty="0"/>
           </a:p>
@@ -1753,7 +1753,7 @@
           <a:p>
             <a:fld id="{A4B8BC99-9ACD-BE4F-B10C-4208E66E3B9D}" type="datetimeFigureOut">
               <a:rPr lang="en-US" smtClean="0"/>
-              <a:t>1/22/2023</a:t>
+              <a:t>7/19/2023</a:t>
             </a:fld>
             <a:endParaRPr lang="en-US" dirty="0"/>
           </a:p>
@@ -2199,7 +2199,7 @@
           <a:p>
             <a:fld id="{A4B8BC99-9ACD-BE4F-B10C-4208E66E3B9D}" type="datetimeFigureOut">
               <a:rPr lang="en-US" smtClean="0"/>
-              <a:t>1/22/2023</a:t>
+              <a:t>7/19/2023</a:t>
             </a:fld>
             <a:endParaRPr lang="en-US" dirty="0"/>
           </a:p>
@@ -2341,7 +2341,7 @@
           <a:p>
             <a:fld id="{A4B8BC99-9ACD-BE4F-B10C-4208E66E3B9D}" type="datetimeFigureOut">
               <a:rPr lang="en-US" smtClean="0"/>
-              <a:t>1/22/2023</a:t>
+              <a:t>7/19/2023</a:t>
             </a:fld>
             <a:endParaRPr lang="en-US" dirty="0"/>
           </a:p>
@@ -2460,7 +2460,7 @@
           <a:p>
             <a:fld id="{A4B8BC99-9ACD-BE4F-B10C-4208E66E3B9D}" type="datetimeFigureOut">
               <a:rPr lang="en-US" smtClean="0"/>
-              <a:t>1/22/2023</a:t>
+              <a:t>7/19/2023</a:t>
             </a:fld>
             <a:endParaRPr lang="en-US" dirty="0"/>
           </a:p>
@@ -2761,7 +2761,7 @@
           <a:p>
             <a:fld id="{A4B8BC99-9ACD-BE4F-B10C-4208E66E3B9D}" type="datetimeFigureOut">
               <a:rPr lang="en-US" smtClean="0"/>
-              <a:t>1/22/2023</a:t>
+              <a:t>7/19/2023</a:t>
             </a:fld>
             <a:endParaRPr lang="en-US" dirty="0"/>
           </a:p>
@@ -3038,7 +3038,7 @@
           <a:p>
             <a:fld id="{A4B8BC99-9ACD-BE4F-B10C-4208E66E3B9D}" type="datetimeFigureOut">
               <a:rPr lang="en-US" smtClean="0"/>
-              <a:t>1/22/2023</a:t>
+              <a:t>7/19/2023</a:t>
             </a:fld>
             <a:endParaRPr lang="en-US" dirty="0"/>
           </a:p>
@@ -24399,51 +24399,7 @@
                 <a:ea typeface="Open Sans" panose="020B0606030504020204" pitchFamily="34" charset="0"/>
                 <a:cs typeface="Open Sans" panose="020B0606030504020204" pitchFamily="34" charset="0"/>
               </a:rPr>
-              <a:t>Cada empresa </a:t>
-            </a:r>
-            <a:r>
-              <a:rPr lang="es-ES" dirty="0" err="1">
-                <a:solidFill>
-                  <a:srgbClr val="242415"/>
-                </a:solidFill>
-                <a:latin typeface="Open Sans" panose="020B0606030504020204" pitchFamily="34" charset="0"/>
-                <a:ea typeface="Open Sans" panose="020B0606030504020204" pitchFamily="34" charset="0"/>
-                <a:cs typeface="Open Sans" panose="020B0606030504020204" pitchFamily="34" charset="0"/>
-              </a:rPr>
-              <a:t>implenta</a:t>
-            </a:r>
-            <a:r>
-              <a:rPr lang="es-ES" dirty="0">
-                <a:solidFill>
-                  <a:srgbClr val="242415"/>
-                </a:solidFill>
-                <a:latin typeface="Open Sans" panose="020B0606030504020204" pitchFamily="34" charset="0"/>
-                <a:ea typeface="Open Sans" panose="020B0606030504020204" pitchFamily="34" charset="0"/>
-                <a:cs typeface="Open Sans" panose="020B0606030504020204" pitchFamily="34" charset="0"/>
-              </a:rPr>
-              <a:t> </a:t>
-            </a:r>
-            <a:r>
-              <a:rPr lang="es-ES" dirty="0" err="1">
-                <a:solidFill>
-                  <a:srgbClr val="242415"/>
-                </a:solidFill>
-                <a:latin typeface="Open Sans" panose="020B0606030504020204" pitchFamily="34" charset="0"/>
-                <a:ea typeface="Open Sans" panose="020B0606030504020204" pitchFamily="34" charset="0"/>
-                <a:cs typeface="Open Sans" panose="020B0606030504020204" pitchFamily="34" charset="0"/>
-              </a:rPr>
-              <a:t>microfrontends</a:t>
-            </a:r>
-            <a:r>
-              <a:rPr lang="es-ES" dirty="0">
-                <a:solidFill>
-                  <a:srgbClr val="242415"/>
-                </a:solidFill>
-                <a:latin typeface="Open Sans" panose="020B0606030504020204" pitchFamily="34" charset="0"/>
-                <a:ea typeface="Open Sans" panose="020B0606030504020204" pitchFamily="34" charset="0"/>
-                <a:cs typeface="Open Sans" panose="020B0606030504020204" pitchFamily="34" charset="0"/>
-              </a:rPr>
-              <a:t> siguiendo sus necesidades, con tecnologías diversas.</a:t>
+              <a:t>Cada empresa implementa microfrontends siguiendo sus necesidades, con tecnologías diversas.</a:t>
             </a:r>
           </a:p>
         </p:txBody>
